--- a/BUT Informatique.pptx
+++ b/BUT Informatique.pptx
@@ -69,7 +69,7 @@
         <p:txBody>
           <a:bodyPr/>
           <a:p>
-            <a:fld id="{567EA4B9-3AC3-4E74-B2FC-B795AE3C27F4}" type="slidenum">
+            <a:fld id="{79A50C91-F816-4871-908F-015C577CA359}" type="slidenum">
               <a:t>&lt;#&gt;</a:t>
             </a:fld>
           </a:p>
@@ -278,7 +278,7 @@
         <p:txBody>
           <a:bodyPr/>
           <a:p>
-            <a:fld id="{D99AC9D4-C537-4C59-A199-FEC1956CFA0C}" type="slidenum">
+            <a:fld id="{4B83DE2A-A613-412F-8F62-70FFDF15014C}" type="slidenum">
               <a:t>&lt;#&gt;</a:t>
             </a:fld>
           </a:p>
@@ -573,7 +573,7 @@
         <p:txBody>
           <a:bodyPr/>
           <a:p>
-            <a:fld id="{8D12D5F7-FBD7-4526-BE5C-4E94951E7571}" type="slidenum">
+            <a:fld id="{1A1FE1B6-C873-4175-93EF-1C65F0083EA1}" type="slidenum">
               <a:t>&lt;#&gt;</a:t>
             </a:fld>
           </a:p>
@@ -954,7 +954,7 @@
         <p:txBody>
           <a:bodyPr/>
           <a:p>
-            <a:fld id="{3E21F315-1531-43D3-AE63-D96525555BF5}" type="slidenum">
+            <a:fld id="{6E4085B3-3614-4B94-953E-67A1C8F51E99}" type="slidenum">
               <a:t>&lt;#&gt;</a:t>
             </a:fld>
           </a:p>
@@ -1117,7 +1117,7 @@
         <p:txBody>
           <a:bodyPr/>
           <a:p>
-            <a:fld id="{FA8E5611-638F-4A60-BE59-B57ACF23E6D6}" type="slidenum">
+            <a:fld id="{515DAB31-D12B-4960-93A3-A632A31E40F6}" type="slidenum">
               <a:t>&lt;#&gt;</a:t>
             </a:fld>
           </a:p>
@@ -1283,7 +1283,7 @@
         <p:txBody>
           <a:bodyPr/>
           <a:p>
-            <a:fld id="{A7AF57B3-36EF-4804-913B-25480922E2B0}" type="slidenum">
+            <a:fld id="{BF6C3828-A2DC-47EF-A8BD-3A0A4124166E}" type="slidenum">
               <a:t>&lt;#&gt;</a:t>
             </a:fld>
           </a:p>
@@ -1492,7 +1492,7 @@
         <p:txBody>
           <a:bodyPr/>
           <a:p>
-            <a:fld id="{384B3B1B-DF4D-49EB-B88B-2D12E69829A1}" type="slidenum">
+            <a:fld id="{E9B0F013-F676-4E32-8F18-D6C231780CB6}" type="slidenum">
               <a:t>&lt;#&gt;</a:t>
             </a:fld>
           </a:p>
@@ -1615,7 +1615,7 @@
         <p:txBody>
           <a:bodyPr/>
           <a:p>
-            <a:fld id="{635F7836-4CCC-4BB3-A738-4C98E4706F94}" type="slidenum">
+            <a:fld id="{48E8FA35-EF1A-4C92-B5A8-B4708BAB1BCD}" type="slidenum">
               <a:t>&lt;#&gt;</a:t>
             </a:fld>
           </a:p>
@@ -1736,7 +1736,7 @@
         <p:txBody>
           <a:bodyPr/>
           <a:p>
-            <a:fld id="{0E243246-05BF-4BCC-A36D-AC76BF8E1A89}" type="slidenum">
+            <a:fld id="{4982D23F-A5AE-4D66-B583-EC19D79D11DA}" type="slidenum">
               <a:t>&lt;#&gt;</a:t>
             </a:fld>
           </a:p>
@@ -1988,7 +1988,7 @@
         <p:txBody>
           <a:bodyPr/>
           <a:p>
-            <a:fld id="{A817B970-CE62-45E4-88E3-051473D51593}" type="slidenum">
+            <a:fld id="{F5DCD91F-81AD-465A-AF4A-B1AFE4941781}" type="slidenum">
               <a:t>&lt;#&gt;</a:t>
             </a:fld>
           </a:p>
@@ -2240,7 +2240,7 @@
         <p:txBody>
           <a:bodyPr/>
           <a:p>
-            <a:fld id="{5F9525A3-A22B-4477-976A-C2B94552DCC5}" type="slidenum">
+            <a:fld id="{8657696A-E4C2-41D8-A12C-A6926BD7E1FA}" type="slidenum">
               <a:t>&lt;#&gt;</a:t>
             </a:fld>
           </a:p>
@@ -2492,7 +2492,7 @@
         <p:txBody>
           <a:bodyPr/>
           <a:p>
-            <a:fld id="{31D92DB5-FABA-433B-BA82-CA20EEB76F32}" type="slidenum">
+            <a:fld id="{7C8890E8-E165-48BB-A551-92C1FB7E92E9}" type="slidenum">
               <a:t>&lt;#&gt;</a:t>
             </a:fld>
           </a:p>
@@ -2561,7 +2561,7 @@
         <p:spPr>
           <a:xfrm>
             <a:off x="3124080" y="6356520"/>
-            <a:ext cx="2894760" cy="364320"/>
+            <a:ext cx="2894400" cy="363960"/>
           </a:xfrm>
           <a:prstGeom prst="rect">
             <a:avLst/>
@@ -2609,7 +2609,7 @@
                 </a:solidFill>
                 <a:latin typeface="Times New Roman"/>
               </a:rPr>
-              <a:t>&lt;footer&gt;</a:t>
+              <a:t> </a:t>
             </a:r>
             <a:endParaRPr b="0" lang="fr-FR" sz="1400" spc="-1" strike="noStrike">
               <a:solidFill>
@@ -2633,7 +2633,7 @@
         <p:spPr>
           <a:xfrm>
             <a:off x="6553080" y="6356520"/>
-            <a:ext cx="2133000" cy="364320"/>
+            <a:ext cx="2132640" cy="363960"/>
           </a:xfrm>
           <a:prstGeom prst="rect">
             <a:avLst/>
@@ -2674,14 +2674,14 @@
                 <a:tab algn="l" pos="0"/>
               </a:tabLst>
             </a:pPr>
-            <a:fld id="{99419C01-C61D-45F5-ACC7-D19B676FD82A}" type="slidenum">
+            <a:fld id="{1F7AAC96-7046-4EE1-9511-9F0C4EF23695}" type="slidenum">
               <a:rPr b="0" lang="en-US" sz="1200" spc="-1" strike="noStrike">
                 <a:solidFill>
                   <a:srgbClr val="8b8b8b"/>
                 </a:solidFill>
                 <a:latin typeface="Calibri"/>
               </a:rPr>
-              <a:t>&lt;number&gt;</a:t>
+              <a:t>7</a:t>
             </a:fld>
             <a:endParaRPr b="0" lang="fr-FR" sz="1200" spc="-1" strike="noStrike">
               <a:solidFill>
@@ -2705,7 +2705,7 @@
         <p:spPr>
           <a:xfrm>
             <a:off x="457200" y="6356520"/>
-            <a:ext cx="2133000" cy="364320"/>
+            <a:ext cx="2132640" cy="363960"/>
           </a:xfrm>
           <a:prstGeom prst="rect">
             <a:avLst/>
@@ -2741,7 +2741,7 @@
                 </a:solidFill>
                 <a:latin typeface="Times New Roman"/>
               </a:rPr>
-              <a:t>&lt;date/time&gt;</a:t>
+              <a:t> </a:t>
             </a:r>
             <a:endParaRPr b="0" lang="fr-FR" sz="1400" spc="-1" strike="noStrike">
               <a:solidFill>
@@ -2790,7 +2790,7 @@
                 </a:solidFill>
                 <a:latin typeface="Arial"/>
               </a:rPr>
-              <a:t>Click to edit the title text format</a:t>
+              <a:t>Cliquez pour éditer le format du texte-titre</a:t>
             </a:r>
             <a:endParaRPr b="0" lang="fr-FR" sz="4400" spc="-1" strike="noStrike">
               <a:solidFill>
@@ -2847,7 +2847,7 @@
                 </a:solidFill>
                 <a:latin typeface="Arial"/>
               </a:rPr>
-              <a:t>Click to edit the outline text format</a:t>
+              <a:t>Cliquez pour éditer le format du plan de texte</a:t>
             </a:r>
             <a:endParaRPr b="0" lang="fr-FR" sz="3200" spc="-1" strike="noStrike">
               <a:solidFill>
@@ -2875,7 +2875,7 @@
                 </a:solidFill>
                 <a:latin typeface="Arial"/>
               </a:rPr>
-              <a:t>Second Outline Level</a:t>
+              <a:t>Second niveau de plan</a:t>
             </a:r>
             <a:endParaRPr b="0" lang="fr-FR" sz="2800" spc="-1" strike="noStrike">
               <a:solidFill>
@@ -2903,7 +2903,7 @@
                 </a:solidFill>
                 <a:latin typeface="Arial"/>
               </a:rPr>
-              <a:t>Third Outline Level</a:t>
+              <a:t>Troisième niveau de plan</a:t>
             </a:r>
             <a:endParaRPr b="0" lang="fr-FR" sz="2400" spc="-1" strike="noStrike">
               <a:solidFill>
@@ -2931,7 +2931,7 @@
                 </a:solidFill>
                 <a:latin typeface="Arial"/>
               </a:rPr>
-              <a:t>Fourth Outline Level</a:t>
+              <a:t>Quatrième niveau de plan</a:t>
             </a:r>
             <a:endParaRPr b="0" lang="fr-FR" sz="2000" spc="-1" strike="noStrike">
               <a:solidFill>
@@ -2959,7 +2959,7 @@
                 </a:solidFill>
                 <a:latin typeface="Arial"/>
               </a:rPr>
-              <a:t>Fifth Outline Level</a:t>
+              <a:t>Cinquième niveau de plan</a:t>
             </a:r>
             <a:endParaRPr b="0" lang="fr-FR" sz="2000" spc="-1" strike="noStrike">
               <a:solidFill>
@@ -2987,7 +2987,7 @@
                 </a:solidFill>
                 <a:latin typeface="Arial"/>
               </a:rPr>
-              <a:t>Sixth Outline Level</a:t>
+              <a:t>Sixième niveau de plan</a:t>
             </a:r>
             <a:endParaRPr b="0" lang="fr-FR" sz="2000" spc="-1" strike="noStrike">
               <a:solidFill>
@@ -3015,7 +3015,7 @@
                 </a:solidFill>
                 <a:latin typeface="Arial"/>
               </a:rPr>
-              <a:t>Seventh Outline Level</a:t>
+              <a:t>Septième niveau de plan</a:t>
             </a:r>
             <a:endParaRPr b="0" lang="fr-FR" sz="2000" spc="-1" strike="noStrike">
               <a:solidFill>
@@ -3079,15 +3079,15 @@
         <p:spPr>
           <a:xfrm>
             <a:off x="11141640" y="1113120"/>
-            <a:ext cx="5964480" cy="8060400"/>
+            <a:ext cx="5964120" cy="8060040"/>
           </a:xfrm>
           <a:custGeom>
             <a:avLst/>
             <a:gdLst>
-              <a:gd name="textAreaLeft" fmla="*/ 0 w 5964480"/>
-              <a:gd name="textAreaRight" fmla="*/ 5965200 w 5964480"/>
-              <a:gd name="textAreaTop" fmla="*/ 0 h 8060400"/>
-              <a:gd name="textAreaBottom" fmla="*/ 8061120 h 8060400"/>
+              <a:gd name="textAreaLeft" fmla="*/ 0 w 5964120"/>
+              <a:gd name="textAreaRight" fmla="*/ 5965200 w 5964120"/>
+              <a:gd name="textAreaTop" fmla="*/ 0 h 8060040"/>
+              <a:gd name="textAreaBottom" fmla="*/ 8061120 h 8060040"/>
             </a:gdLst>
             <a:ahLst/>
             <a:rect l="textAreaLeft" t="textAreaTop" r="textAreaRight" b="textAreaBottom"/>
@@ -3156,9 +3156,9 @@
         <p:grpSpPr>
           <a:xfrm>
             <a:off x="623520" y="564120"/>
-            <a:ext cx="9110880" cy="5037120"/>
+            <a:ext cx="9110520" cy="5037120"/>
             <a:chOff x="623520" y="564120"/>
-            <a:chExt cx="9110880" cy="5037120"/>
+            <a:chExt cx="9110520" cy="5037120"/>
           </a:xfrm>
         </p:grpSpPr>
         <p:sp>
@@ -3170,7 +3170,7 @@
           <p:spPr>
             <a:xfrm>
               <a:off x="623880" y="1342800"/>
-              <a:ext cx="9110520" cy="2901600"/>
+              <a:ext cx="9110160" cy="2901240"/>
             </a:xfrm>
             <a:prstGeom prst="rect">
               <a:avLst/>
@@ -3224,7 +3224,7 @@
           <p:spPr>
             <a:xfrm>
               <a:off x="623880" y="564120"/>
-              <a:ext cx="9110520" cy="412200"/>
+              <a:ext cx="9110160" cy="411840"/>
             </a:xfrm>
             <a:prstGeom prst="rect">
               <a:avLst/>
@@ -3269,7 +3269,7 @@
           <p:spPr>
             <a:xfrm>
               <a:off x="623880" y="5131440"/>
-              <a:ext cx="9110520" cy="469800"/>
+              <a:ext cx="9110160" cy="469800"/>
             </a:xfrm>
             <a:prstGeom prst="rect">
               <a:avLst/>
@@ -3296,7 +3296,7 @@
                 </a:lnSpc>
               </a:pPr>
               <a:r>
-                <a:rPr b="0" lang="en-US" sz="2640" spc="46" strike="noStrike">
+                <a:rPr b="0" lang="en-US" sz="2640" spc="43" strike="noStrike">
                   <a:solidFill>
                     <a:srgbClr val="ffffff"/>
                   </a:solidFill>
@@ -3366,15 +3366,15 @@
         <p:spPr>
           <a:xfrm>
             <a:off x="623880" y="6519960"/>
-            <a:ext cx="2300040" cy="3341880"/>
+            <a:ext cx="2299680" cy="3341520"/>
           </a:xfrm>
           <a:custGeom>
             <a:avLst/>
             <a:gdLst>
-              <a:gd name="textAreaLeft" fmla="*/ 0 w 2300040"/>
-              <a:gd name="textAreaRight" fmla="*/ 2300760 w 2300040"/>
-              <a:gd name="textAreaTop" fmla="*/ 0 h 3341880"/>
-              <a:gd name="textAreaBottom" fmla="*/ 3342600 h 3341880"/>
+              <a:gd name="textAreaLeft" fmla="*/ 0 w 2299680"/>
+              <a:gd name="textAreaRight" fmla="*/ 2300760 w 2299680"/>
+              <a:gd name="textAreaTop" fmla="*/ 0 h 3341520"/>
+              <a:gd name="textAreaBottom" fmla="*/ 3342600 h 3341520"/>
             </a:gdLst>
             <a:ahLst/>
             <a:rect l="textAreaLeft" t="textAreaTop" r="textAreaRight" b="textAreaBottom"/>
@@ -3443,7 +3443,7 @@
         <p:spPr>
           <a:xfrm>
             <a:off x="17914680" y="9636480"/>
-            <a:ext cx="196200" cy="440280"/>
+            <a:ext cx="195840" cy="440280"/>
           </a:xfrm>
           <a:prstGeom prst="rect">
             <a:avLst/>
@@ -3534,9 +3534,9 @@
         <p:grpSpPr>
           <a:xfrm>
             <a:off x="11613600" y="1644120"/>
-            <a:ext cx="5324400" cy="6998400"/>
+            <a:ext cx="5324040" cy="6998040"/>
             <a:chOff x="11613600" y="1644120"/>
-            <a:chExt cx="5324400" cy="6998400"/>
+            <a:chExt cx="5324040" cy="6998040"/>
           </a:xfrm>
         </p:grpSpPr>
         <p:sp>
@@ -3548,15 +3548,15 @@
           <p:spPr>
             <a:xfrm>
               <a:off x="11613600" y="5515560"/>
-              <a:ext cx="5195880" cy="3126960"/>
+              <a:ext cx="5195520" cy="3126600"/>
             </a:xfrm>
             <a:custGeom>
               <a:avLst/>
               <a:gdLst>
-                <a:gd name="textAreaLeft" fmla="*/ 0 w 5195880"/>
-                <a:gd name="textAreaRight" fmla="*/ 5196600 w 5195880"/>
-                <a:gd name="textAreaTop" fmla="*/ 0 h 3126960"/>
-                <a:gd name="textAreaBottom" fmla="*/ 3127680 h 3126960"/>
+                <a:gd name="textAreaLeft" fmla="*/ 0 w 5195520"/>
+                <a:gd name="textAreaRight" fmla="*/ 5196600 w 5195520"/>
+                <a:gd name="textAreaTop" fmla="*/ 0 h 3126600"/>
+                <a:gd name="textAreaBottom" fmla="*/ 3127680 h 3126600"/>
               </a:gdLst>
               <a:ahLst/>
               <a:rect l="textAreaLeft" t="textAreaTop" r="textAreaRight" b="textAreaBottom"/>
@@ -3625,15 +3625,15 @@
           <p:spPr>
             <a:xfrm>
               <a:off x="13439880" y="1644120"/>
-              <a:ext cx="3498120" cy="4658760"/>
+              <a:ext cx="3497760" cy="4658400"/>
             </a:xfrm>
             <a:custGeom>
               <a:avLst/>
               <a:gdLst>
-                <a:gd name="textAreaLeft" fmla="*/ 0 w 3498120"/>
-                <a:gd name="textAreaRight" fmla="*/ 3498840 w 3498120"/>
-                <a:gd name="textAreaTop" fmla="*/ 0 h 4658760"/>
-                <a:gd name="textAreaBottom" fmla="*/ 4659480 h 4658760"/>
+                <a:gd name="textAreaLeft" fmla="*/ 0 w 3497760"/>
+                <a:gd name="textAreaRight" fmla="*/ 3498840 w 3497760"/>
+                <a:gd name="textAreaTop" fmla="*/ 0 h 4658400"/>
+                <a:gd name="textAreaBottom" fmla="*/ 4659480 h 4658400"/>
               </a:gdLst>
               <a:ahLst/>
               <a:rect l="textAreaLeft" t="textAreaTop" r="textAreaRight" b="textAreaBottom"/>
@@ -3703,9 +3703,9 @@
         <p:grpSpPr>
           <a:xfrm>
             <a:off x="1467720" y="2881440"/>
-            <a:ext cx="9237600" cy="4896360"/>
+            <a:ext cx="9237240" cy="4896360"/>
             <a:chOff x="1467720" y="2881440"/>
-            <a:chExt cx="9237600" cy="4896360"/>
+            <a:chExt cx="9237240" cy="4896360"/>
           </a:xfrm>
         </p:grpSpPr>
         <p:sp>
@@ -3717,7 +3717,7 @@
           <p:spPr>
             <a:xfrm>
               <a:off x="1467720" y="2881440"/>
-              <a:ext cx="9237600" cy="2438280"/>
+              <a:ext cx="9237240" cy="2438280"/>
             </a:xfrm>
             <a:prstGeom prst="rect">
               <a:avLst/>
@@ -3771,7 +3771,7 @@
           <p:spPr>
             <a:xfrm>
               <a:off x="1467720" y="6445440"/>
-              <a:ext cx="9237600" cy="1332360"/>
+              <a:ext cx="9237240" cy="1332360"/>
             </a:xfrm>
             <a:prstGeom prst="rect">
               <a:avLst/>
@@ -3929,7 +3929,7 @@
         <p:spPr>
           <a:xfrm>
             <a:off x="17914680" y="9636480"/>
-            <a:ext cx="196200" cy="440280"/>
+            <a:ext cx="195840" cy="440280"/>
           </a:xfrm>
           <a:prstGeom prst="rect">
             <a:avLst/>
@@ -3983,15 +3983,15 @@
         <p:spPr>
           <a:xfrm>
             <a:off x="343800" y="233280"/>
-            <a:ext cx="1653840" cy="2403000"/>
+            <a:ext cx="1653480" cy="2402640"/>
           </a:xfrm>
           <a:custGeom>
             <a:avLst/>
             <a:gdLst>
-              <a:gd name="textAreaLeft" fmla="*/ 0 w 1653840"/>
-              <a:gd name="textAreaRight" fmla="*/ 1654560 w 1653840"/>
-              <a:gd name="textAreaTop" fmla="*/ 0 h 2403000"/>
-              <a:gd name="textAreaBottom" fmla="*/ 2403720 h 2403000"/>
+              <a:gd name="textAreaLeft" fmla="*/ 0 w 1653480"/>
+              <a:gd name="textAreaRight" fmla="*/ 1654560 w 1653480"/>
+              <a:gd name="textAreaTop" fmla="*/ 0 h 2402640"/>
+              <a:gd name="textAreaBottom" fmla="*/ 2403720 h 2402640"/>
             </a:gdLst>
             <a:ahLst/>
             <a:rect l="textAreaLeft" t="textAreaTop" r="textAreaRight" b="textAreaBottom"/>
@@ -4097,15 +4097,15 @@
         <p:spPr>
           <a:xfrm>
             <a:off x="0" y="0"/>
-            <a:ext cx="5458680" cy="10286280"/>
+            <a:ext cx="5458320" cy="10285920"/>
           </a:xfrm>
           <a:custGeom>
             <a:avLst/>
             <a:gdLst>
-              <a:gd name="textAreaLeft" fmla="*/ 0 w 5458680"/>
-              <a:gd name="textAreaRight" fmla="*/ 5459400 w 5458680"/>
-              <a:gd name="textAreaTop" fmla="*/ 0 h 10286280"/>
-              <a:gd name="textAreaBottom" fmla="*/ 10287000 h 10286280"/>
+              <a:gd name="textAreaLeft" fmla="*/ 0 w 5458320"/>
+              <a:gd name="textAreaRight" fmla="*/ 5459400 w 5458320"/>
+              <a:gd name="textAreaTop" fmla="*/ 0 h 10285920"/>
+              <a:gd name="textAreaBottom" fmla="*/ 10287000 h 10285920"/>
             </a:gdLst>
             <a:ahLst/>
             <a:rect l="textAreaLeft" t="textAreaTop" r="textAreaRight" b="textAreaBottom"/>
@@ -4174,9 +4174,9 @@
         <p:grpSpPr>
           <a:xfrm>
             <a:off x="7061760" y="2139480"/>
-            <a:ext cx="9801000" cy="6007320"/>
+            <a:ext cx="9800640" cy="6006960"/>
             <a:chOff x="7061760" y="2139480"/>
-            <a:chExt cx="9801000" cy="6007320"/>
+            <a:chExt cx="9800640" cy="6006960"/>
           </a:xfrm>
         </p:grpSpPr>
         <p:sp>
@@ -4188,7 +4188,7 @@
           <p:spPr>
             <a:xfrm>
               <a:off x="7062120" y="2139480"/>
-              <a:ext cx="9800640" cy="1371240"/>
+              <a:ext cx="9800280" cy="1371240"/>
             </a:xfrm>
             <a:prstGeom prst="rect">
               <a:avLst/>
@@ -4242,7 +4242,7 @@
           <p:spPr>
             <a:xfrm>
               <a:off x="7062120" y="7737120"/>
-              <a:ext cx="9800640" cy="409680"/>
+              <a:ext cx="9800280" cy="409320"/>
             </a:xfrm>
             <a:prstGeom prst="rect">
               <a:avLst/>
@@ -4287,7 +4287,7 @@
           <p:spPr>
             <a:xfrm>
               <a:off x="7062120" y="4243680"/>
-              <a:ext cx="9800640" cy="3201120"/>
+              <a:ext cx="9800280" cy="3200760"/>
             </a:xfrm>
             <a:prstGeom prst="rect">
               <a:avLst/>
@@ -4529,7 +4529,7 @@
         <p:spPr>
           <a:xfrm>
             <a:off x="17924400" y="9636480"/>
-            <a:ext cx="196200" cy="440280"/>
+            <a:ext cx="195840" cy="440280"/>
           </a:xfrm>
           <a:prstGeom prst="rect">
             <a:avLst/>
@@ -4583,15 +4583,15 @@
         <p:spPr>
           <a:xfrm>
             <a:off x="16260480" y="373320"/>
-            <a:ext cx="1653840" cy="2403000"/>
+            <a:ext cx="1653480" cy="2402640"/>
           </a:xfrm>
           <a:custGeom>
             <a:avLst/>
             <a:gdLst>
-              <a:gd name="textAreaLeft" fmla="*/ 0 w 1653840"/>
-              <a:gd name="textAreaRight" fmla="*/ 1654560 w 1653840"/>
-              <a:gd name="textAreaTop" fmla="*/ 0 h 2403000"/>
-              <a:gd name="textAreaBottom" fmla="*/ 2403720 h 2403000"/>
+              <a:gd name="textAreaLeft" fmla="*/ 0 w 1653480"/>
+              <a:gd name="textAreaRight" fmla="*/ 1654560 w 1653480"/>
+              <a:gd name="textAreaTop" fmla="*/ 0 h 2402640"/>
+              <a:gd name="textAreaBottom" fmla="*/ 2403720 h 2402640"/>
             </a:gdLst>
             <a:ahLst/>
             <a:rect l="textAreaLeft" t="textAreaTop" r="textAreaRight" b="textAreaBottom"/>
@@ -4690,7 +4690,7 @@
         <p:spPr>
           <a:xfrm rot="24600">
             <a:off x="9146520" y="-393480"/>
-            <a:ext cx="9354240" cy="11014560"/>
+            <a:ext cx="9353880" cy="11014200"/>
           </a:xfrm>
           <a:prstGeom prst="rect">
             <a:avLst/>
@@ -4737,15 +4737,15 @@
         <p:spPr>
           <a:xfrm>
             <a:off x="15860160" y="220320"/>
-            <a:ext cx="2241000" cy="2983320"/>
+            <a:ext cx="2240640" cy="2982960"/>
           </a:xfrm>
           <a:custGeom>
             <a:avLst/>
             <a:gdLst>
-              <a:gd name="textAreaLeft" fmla="*/ 0 w 2241000"/>
-              <a:gd name="textAreaRight" fmla="*/ 2241720 w 2241000"/>
-              <a:gd name="textAreaTop" fmla="*/ 0 h 2983320"/>
-              <a:gd name="textAreaBottom" fmla="*/ 2984040 h 2983320"/>
+              <a:gd name="textAreaLeft" fmla="*/ 0 w 2240640"/>
+              <a:gd name="textAreaRight" fmla="*/ 2241720 w 2240640"/>
+              <a:gd name="textAreaTop" fmla="*/ 0 h 2982960"/>
+              <a:gd name="textAreaBottom" fmla="*/ 2984040 h 2982960"/>
             </a:gdLst>
             <a:ahLst/>
             <a:rect l="textAreaLeft" t="textAreaTop" r="textAreaRight" b="textAreaBottom"/>
@@ -4814,15 +4814,15 @@
         <p:spPr>
           <a:xfrm>
             <a:off x="790920" y="558360"/>
-            <a:ext cx="2212200" cy="2645280"/>
+            <a:ext cx="2211840" cy="2644920"/>
           </a:xfrm>
           <a:custGeom>
             <a:avLst/>
             <a:gdLst>
-              <a:gd name="textAreaLeft" fmla="*/ 0 w 2212200"/>
-              <a:gd name="textAreaRight" fmla="*/ 2212920 w 2212200"/>
-              <a:gd name="textAreaTop" fmla="*/ 0 h 2645280"/>
-              <a:gd name="textAreaBottom" fmla="*/ 2646000 h 2645280"/>
+              <a:gd name="textAreaLeft" fmla="*/ 0 w 2211840"/>
+              <a:gd name="textAreaRight" fmla="*/ 2212920 w 2211840"/>
+              <a:gd name="textAreaTop" fmla="*/ 0 h 2644920"/>
+              <a:gd name="textAreaBottom" fmla="*/ 2646000 h 2644920"/>
             </a:gdLst>
             <a:ahLst/>
             <a:rect l="textAreaLeft" t="textAreaTop" r="textAreaRight" b="textAreaBottom"/>
@@ -4891,9 +4891,9 @@
         <p:grpSpPr>
           <a:xfrm>
             <a:off x="1425240" y="3240000"/>
-            <a:ext cx="6854760" cy="4860000"/>
+            <a:ext cx="6854400" cy="4859640"/>
             <a:chOff x="1425240" y="3240000"/>
-            <a:chExt cx="6854760" cy="4860000"/>
+            <a:chExt cx="6854400" cy="4859640"/>
           </a:xfrm>
         </p:grpSpPr>
         <p:sp>
@@ -4905,7 +4905,7 @@
           <p:spPr>
             <a:xfrm>
               <a:off x="1425240" y="3240000"/>
-              <a:ext cx="6854760" cy="2133720"/>
+              <a:ext cx="6854400" cy="2133360"/>
             </a:xfrm>
             <a:prstGeom prst="rect">
               <a:avLst/>
@@ -4959,7 +4959,7 @@
           <p:spPr>
             <a:xfrm>
               <a:off x="1425240" y="5876640"/>
-              <a:ext cx="6854760" cy="2223360"/>
+              <a:ext cx="6854400" cy="2223000"/>
             </a:xfrm>
             <a:prstGeom prst="rect">
               <a:avLst/>
@@ -5131,9 +5131,9 @@
         <p:grpSpPr>
           <a:xfrm>
             <a:off x="10080000" y="3420000"/>
-            <a:ext cx="6754680" cy="4752720"/>
+            <a:ext cx="7740000" cy="4752360"/>
             <a:chOff x="10080000" y="3420000"/>
-            <a:chExt cx="6754680" cy="4752720"/>
+            <a:chExt cx="7740000" cy="4752360"/>
           </a:xfrm>
         </p:grpSpPr>
         <p:sp>
@@ -5145,7 +5145,7 @@
           <p:spPr>
             <a:xfrm>
               <a:off x="10080000" y="3420000"/>
-              <a:ext cx="6754680" cy="2133720"/>
+              <a:ext cx="7740000" cy="2133360"/>
             </a:xfrm>
             <a:prstGeom prst="rect">
               <a:avLst/>
@@ -5199,7 +5199,7 @@
           <p:spPr>
             <a:xfrm>
               <a:off x="10080000" y="5060160"/>
-              <a:ext cx="6754680" cy="3112560"/>
+              <a:ext cx="7740000" cy="3112200"/>
             </a:xfrm>
             <a:prstGeom prst="rect">
               <a:avLst/>
@@ -5248,15 +5248,10 @@
               </a:endParaRPr>
             </a:p>
             <a:p>
-              <a:pPr lvl="1" marL="539640" indent="-270000">
+              <a:pPr>
                 <a:lnSpc>
                   <a:spcPts val="3501"/>
                 </a:lnSpc>
-                <a:buClr>
-                  <a:srgbClr val="ffffff"/>
-                </a:buClr>
-                <a:buFont typeface="Arial"/>
-                <a:buChar char="•"/>
               </a:pPr>
               <a:endParaRPr b="0" lang="fr-FR" sz="2500" spc="-1" strike="noStrike">
                 <a:solidFill>
@@ -5417,7 +5412,7 @@
         <p:spPr>
           <a:xfrm>
             <a:off x="17914680" y="9636480"/>
-            <a:ext cx="196200" cy="440280"/>
+            <a:ext cx="195840" cy="440280"/>
           </a:xfrm>
           <a:prstGeom prst="rect">
             <a:avLst/>
@@ -5505,7 +5500,7 @@
         <p:spPr>
           <a:xfrm>
             <a:off x="7851960" y="2090520"/>
-            <a:ext cx="10261800" cy="6556680"/>
+            <a:ext cx="10261440" cy="6556320"/>
           </a:xfrm>
           <a:prstGeom prst="rect">
             <a:avLst/>
@@ -5524,9 +5519,9 @@
         <p:grpSpPr>
           <a:xfrm>
             <a:off x="1469520" y="3204360"/>
-            <a:ext cx="8676720" cy="3917880"/>
+            <a:ext cx="8676360" cy="3917880"/>
             <a:chOff x="1469520" y="3204360"/>
-            <a:chExt cx="8676720" cy="3917880"/>
+            <a:chExt cx="8676360" cy="3917880"/>
           </a:xfrm>
         </p:grpSpPr>
         <p:sp>
@@ -5538,7 +5533,7 @@
           <p:spPr>
             <a:xfrm>
               <a:off x="1469520" y="3204360"/>
-              <a:ext cx="8676720" cy="1218960"/>
+              <a:ext cx="8676360" cy="1218960"/>
             </a:xfrm>
             <a:prstGeom prst="rect">
               <a:avLst/>
@@ -5592,7 +5587,7 @@
           <p:spPr>
             <a:xfrm>
               <a:off x="1469520" y="6234120"/>
-              <a:ext cx="8676720" cy="888120"/>
+              <a:ext cx="8676360" cy="888120"/>
             </a:xfrm>
             <a:prstGeom prst="rect">
               <a:avLst/>
@@ -5679,7 +5674,7 @@
           <p:spPr>
             <a:xfrm>
               <a:off x="1469520" y="5429880"/>
-              <a:ext cx="8676720" cy="533160"/>
+              <a:ext cx="8676360" cy="533160"/>
             </a:xfrm>
             <a:prstGeom prst="rect">
               <a:avLst/>
@@ -5776,7 +5771,7 @@
         <p:spPr>
           <a:xfrm>
             <a:off x="17914680" y="9636480"/>
-            <a:ext cx="196200" cy="440280"/>
+            <a:ext cx="195840" cy="440280"/>
           </a:xfrm>
           <a:prstGeom prst="rect">
             <a:avLst/>
@@ -5860,9 +5855,9 @@
         <p:grpSpPr>
           <a:xfrm>
             <a:off x="1028520" y="650520"/>
-            <a:ext cx="6616440" cy="3109680"/>
+            <a:ext cx="6616080" cy="3109680"/>
             <a:chOff x="1028520" y="650520"/>
-            <a:chExt cx="6616440" cy="3109680"/>
+            <a:chExt cx="6616080" cy="3109680"/>
           </a:xfrm>
         </p:grpSpPr>
         <p:sp>
@@ -5874,7 +5869,7 @@
           <p:spPr>
             <a:xfrm>
               <a:off x="1028880" y="650520"/>
-              <a:ext cx="6616080" cy="2508120"/>
+              <a:ext cx="6615720" cy="2508120"/>
             </a:xfrm>
             <a:prstGeom prst="rect">
               <a:avLst/>
@@ -5971,15 +5966,15 @@
         <p:spPr>
           <a:xfrm>
             <a:off x="6409080" y="6203520"/>
-            <a:ext cx="1650960" cy="1650960"/>
+            <a:ext cx="1650600" cy="1650600"/>
           </a:xfrm>
           <a:custGeom>
             <a:avLst/>
             <a:gdLst>
-              <a:gd name="textAreaLeft" fmla="*/ 0 w 1650960"/>
-              <a:gd name="textAreaRight" fmla="*/ 1651680 w 1650960"/>
-              <a:gd name="textAreaTop" fmla="*/ 0 h 1650960"/>
-              <a:gd name="textAreaBottom" fmla="*/ 1651680 h 1650960"/>
+              <a:gd name="textAreaLeft" fmla="*/ 0 w 1650600"/>
+              <a:gd name="textAreaRight" fmla="*/ 1651680 w 1650600"/>
+              <a:gd name="textAreaTop" fmla="*/ 0 h 1650600"/>
+              <a:gd name="textAreaBottom" fmla="*/ 1651680 h 1650600"/>
             </a:gdLst>
             <a:ahLst/>
             <a:rect l="textAreaLeft" t="textAreaTop" r="textAreaRight" b="textAreaBottom"/>
@@ -6048,15 +6043,15 @@
         <p:spPr>
           <a:xfrm>
             <a:off x="6726240" y="1546920"/>
-            <a:ext cx="1333800" cy="1333800"/>
+            <a:ext cx="1333440" cy="1333440"/>
           </a:xfrm>
           <a:custGeom>
             <a:avLst/>
             <a:gdLst>
-              <a:gd name="textAreaLeft" fmla="*/ 0 w 1333800"/>
-              <a:gd name="textAreaRight" fmla="*/ 1334520 w 1333800"/>
-              <a:gd name="textAreaTop" fmla="*/ 0 h 1333800"/>
-              <a:gd name="textAreaBottom" fmla="*/ 1334520 h 1333800"/>
+              <a:gd name="textAreaLeft" fmla="*/ 0 w 1333440"/>
+              <a:gd name="textAreaRight" fmla="*/ 1334520 w 1333440"/>
+              <a:gd name="textAreaTop" fmla="*/ 0 h 1333440"/>
+              <a:gd name="textAreaBottom" fmla="*/ 1334520 h 1333440"/>
             </a:gdLst>
             <a:ahLst/>
             <a:rect l="textAreaLeft" t="textAreaTop" r="textAreaRight" b="textAreaBottom"/>
@@ -6125,15 +6120,15 @@
         <p:spPr>
           <a:xfrm>
             <a:off x="5808240" y="4016160"/>
-            <a:ext cx="2852280" cy="1540080"/>
+            <a:ext cx="2851920" cy="1539720"/>
           </a:xfrm>
           <a:custGeom>
             <a:avLst/>
             <a:gdLst>
-              <a:gd name="textAreaLeft" fmla="*/ 0 w 2852280"/>
-              <a:gd name="textAreaRight" fmla="*/ 2853000 w 2852280"/>
-              <a:gd name="textAreaTop" fmla="*/ 0 h 1540080"/>
-              <a:gd name="textAreaBottom" fmla="*/ 1540800 h 1540080"/>
+              <a:gd name="textAreaLeft" fmla="*/ 0 w 2851920"/>
+              <a:gd name="textAreaRight" fmla="*/ 2853000 w 2851920"/>
+              <a:gd name="textAreaTop" fmla="*/ 0 h 1539720"/>
+              <a:gd name="textAreaBottom" fmla="*/ 1540800 h 1539720"/>
             </a:gdLst>
             <a:ahLst/>
             <a:rect l="textAreaLeft" t="textAreaTop" r="textAreaRight" b="textAreaBottom"/>
@@ -6202,15 +6197,15 @@
         <p:spPr>
           <a:xfrm>
             <a:off x="3495240" y="5962320"/>
-            <a:ext cx="1015920" cy="1892160"/>
+            <a:ext cx="1015560" cy="1891800"/>
           </a:xfrm>
           <a:custGeom>
             <a:avLst/>
             <a:gdLst>
-              <a:gd name="textAreaLeft" fmla="*/ 0 w 1015920"/>
-              <a:gd name="textAreaRight" fmla="*/ 1016640 w 1015920"/>
-              <a:gd name="textAreaTop" fmla="*/ 0 h 1892160"/>
-              <a:gd name="textAreaBottom" fmla="*/ 1892880 h 1892160"/>
+              <a:gd name="textAreaLeft" fmla="*/ 0 w 1015560"/>
+              <a:gd name="textAreaRight" fmla="*/ 1016640 w 1015560"/>
+              <a:gd name="textAreaTop" fmla="*/ 0 h 1891800"/>
+              <a:gd name="textAreaBottom" fmla="*/ 1892880 h 1891800"/>
             </a:gdLst>
             <a:ahLst/>
             <a:rect l="textAreaLeft" t="textAreaTop" r="textAreaRight" b="textAreaBottom"/>
@@ -6279,15 +6274,15 @@
         <p:spPr>
           <a:xfrm>
             <a:off x="3385440" y="4188240"/>
-            <a:ext cx="1235880" cy="1363680"/>
+            <a:ext cx="1235520" cy="1363320"/>
           </a:xfrm>
           <a:custGeom>
             <a:avLst/>
             <a:gdLst>
-              <a:gd name="textAreaLeft" fmla="*/ 0 w 1235880"/>
-              <a:gd name="textAreaRight" fmla="*/ 1236600 w 1235880"/>
-              <a:gd name="textAreaTop" fmla="*/ 0 h 1363680"/>
-              <a:gd name="textAreaBottom" fmla="*/ 1364400 h 1363680"/>
+              <a:gd name="textAreaLeft" fmla="*/ 0 w 1235520"/>
+              <a:gd name="textAreaRight" fmla="*/ 1236600 w 1235520"/>
+              <a:gd name="textAreaTop" fmla="*/ 0 h 1363320"/>
+              <a:gd name="textAreaBottom" fmla="*/ 1364400 h 1363320"/>
             </a:gdLst>
             <a:ahLst/>
             <a:rect l="textAreaLeft" t="textAreaTop" r="textAreaRight" b="textAreaBottom"/>
@@ -6356,15 +6351,15 @@
         <p:spPr>
           <a:xfrm>
             <a:off x="2643480" y="8386200"/>
-            <a:ext cx="3736440" cy="1743480"/>
+            <a:ext cx="3736080" cy="1743120"/>
           </a:xfrm>
           <a:custGeom>
             <a:avLst/>
             <a:gdLst>
-              <a:gd name="textAreaLeft" fmla="*/ 0 w 3736440"/>
-              <a:gd name="textAreaRight" fmla="*/ 3737160 w 3736440"/>
-              <a:gd name="textAreaTop" fmla="*/ 0 h 1743480"/>
-              <a:gd name="textAreaBottom" fmla="*/ 1744200 h 1743480"/>
+              <a:gd name="textAreaLeft" fmla="*/ 0 w 3736080"/>
+              <a:gd name="textAreaRight" fmla="*/ 3737160 w 3736080"/>
+              <a:gd name="textAreaTop" fmla="*/ 0 h 1743120"/>
+              <a:gd name="textAreaBottom" fmla="*/ 1744200 h 1743120"/>
             </a:gdLst>
             <a:ahLst/>
             <a:rect l="textAreaLeft" t="textAreaTop" r="textAreaRight" b="textAreaBottom"/>
@@ -6433,15 +6428,15 @@
         <p:spPr>
           <a:xfrm>
             <a:off x="500040" y="6114600"/>
-            <a:ext cx="1506960" cy="1650960"/>
+            <a:ext cx="1506600" cy="1650600"/>
           </a:xfrm>
           <a:custGeom>
             <a:avLst/>
             <a:gdLst>
-              <a:gd name="textAreaLeft" fmla="*/ 0 w 1506960"/>
-              <a:gd name="textAreaRight" fmla="*/ 1507680 w 1506960"/>
-              <a:gd name="textAreaTop" fmla="*/ 0 h 1650960"/>
-              <a:gd name="textAreaBottom" fmla="*/ 1651680 h 1650960"/>
+              <a:gd name="textAreaLeft" fmla="*/ 0 w 1506600"/>
+              <a:gd name="textAreaRight" fmla="*/ 1507680 w 1506600"/>
+              <a:gd name="textAreaTop" fmla="*/ 0 h 1650600"/>
+              <a:gd name="textAreaBottom" fmla="*/ 1651680 h 1650600"/>
             </a:gdLst>
             <a:ahLst/>
             <a:rect l="textAreaLeft" t="textAreaTop" r="textAreaRight" b="textAreaBottom"/>
@@ -6510,15 +6505,15 @@
         <p:spPr>
           <a:xfrm>
             <a:off x="645120" y="4188240"/>
-            <a:ext cx="1216800" cy="1368000"/>
+            <a:ext cx="1216440" cy="1367640"/>
           </a:xfrm>
           <a:custGeom>
             <a:avLst/>
             <a:gdLst>
-              <a:gd name="textAreaLeft" fmla="*/ 0 w 1216800"/>
-              <a:gd name="textAreaRight" fmla="*/ 1217520 w 1216800"/>
-              <a:gd name="textAreaTop" fmla="*/ 0 h 1368000"/>
-              <a:gd name="textAreaBottom" fmla="*/ 1368720 h 1368000"/>
+              <a:gd name="textAreaLeft" fmla="*/ 0 w 1216440"/>
+              <a:gd name="textAreaRight" fmla="*/ 1217520 w 1216440"/>
+              <a:gd name="textAreaTop" fmla="*/ 0 h 1367640"/>
+              <a:gd name="textAreaBottom" fmla="*/ 1368720 h 1367640"/>
             </a:gdLst>
             <a:ahLst/>
             <a:rect l="textAreaLeft" t="textAreaTop" r="textAreaRight" b="textAreaBottom"/>
@@ -6587,7 +6582,7 @@
         <p:spPr>
           <a:xfrm>
             <a:off x="17914680" y="9636480"/>
-            <a:ext cx="196200" cy="440280"/>
+            <a:ext cx="195840" cy="440280"/>
           </a:xfrm>
           <a:prstGeom prst="rect">
             <a:avLst/>
@@ -6645,7 +6640,7 @@
         <p:spPr>
           <a:xfrm>
             <a:off x="9615960" y="2621520"/>
-            <a:ext cx="7303680" cy="5478120"/>
+            <a:ext cx="7303320" cy="5477760"/>
           </a:xfrm>
           <a:prstGeom prst="rect">
             <a:avLst/>
@@ -6694,7 +6689,7 @@
         <p:spPr>
           <a:xfrm>
             <a:off x="0" y="0"/>
-            <a:ext cx="9143280" cy="10286280"/>
+            <a:ext cx="9142920" cy="10285920"/>
           </a:xfrm>
           <a:prstGeom prst="rect">
             <a:avLst/>
@@ -6741,9 +6736,9 @@
         <p:grpSpPr>
           <a:xfrm>
             <a:off x="1452600" y="3619080"/>
-            <a:ext cx="6238080" cy="3820680"/>
+            <a:ext cx="6237720" cy="3820680"/>
             <a:chOff x="1452600" y="3619080"/>
-            <a:chExt cx="6238080" cy="3820680"/>
+            <a:chExt cx="6237720" cy="3820680"/>
           </a:xfrm>
         </p:grpSpPr>
         <p:sp>
@@ -6755,7 +6750,7 @@
           <p:spPr>
             <a:xfrm>
               <a:off x="1452600" y="3619080"/>
-              <a:ext cx="6238080" cy="2133360"/>
+              <a:ext cx="6237720" cy="2133000"/>
             </a:xfrm>
             <a:prstGeom prst="rect">
               <a:avLst/>
@@ -6832,7 +6827,7 @@
           <p:spPr>
             <a:xfrm>
               <a:off x="1452600" y="6106320"/>
-              <a:ext cx="6238080" cy="1333440"/>
+              <a:ext cx="6237720" cy="1333440"/>
             </a:xfrm>
             <a:prstGeom prst="rect">
               <a:avLst/>
@@ -6948,9 +6943,9 @@
         <p:grpSpPr>
           <a:xfrm>
             <a:off x="10596600" y="3635640"/>
-            <a:ext cx="6238080" cy="3794400"/>
+            <a:ext cx="6237720" cy="3794400"/>
             <a:chOff x="10596600" y="3635640"/>
-            <a:chExt cx="6238080" cy="3794400"/>
+            <a:chExt cx="6237720" cy="3794400"/>
           </a:xfrm>
         </p:grpSpPr>
         <p:sp>
@@ -6962,7 +6957,7 @@
           <p:spPr>
             <a:xfrm>
               <a:off x="10596600" y="3635640"/>
-              <a:ext cx="6238080" cy="2133000"/>
+              <a:ext cx="6237720" cy="2133000"/>
             </a:xfrm>
             <a:prstGeom prst="rect">
               <a:avLst/>
@@ -7039,7 +7034,7 @@
           <p:spPr>
             <a:xfrm>
               <a:off x="10596600" y="6096600"/>
-              <a:ext cx="6238080" cy="1333440"/>
+              <a:ext cx="6237720" cy="1333440"/>
             </a:xfrm>
             <a:prstGeom prst="rect">
               <a:avLst/>
@@ -7155,7 +7150,7 @@
         <p:spPr>
           <a:xfrm>
             <a:off x="17914680" y="9636480"/>
-            <a:ext cx="196200" cy="440280"/>
+            <a:ext cx="195840" cy="440280"/>
           </a:xfrm>
           <a:prstGeom prst="rect">
             <a:avLst/>
